--- a/Deliverables/Presentation.pptx
+++ b/Deliverables/Presentation.pptx
@@ -7632,10 +7632,22 @@
               <a:buNone/>
             </a:pPr>
             <a:r>
+              <a:rPr lang="en" sz="3000" dirty="0" err="1"/>
+              <a:t>MAXGBoost</a:t>
+            </a:r>
+            <a:r>
+              <a:rPr lang="en" sz="3000" dirty="0"/>
+              <a:t>: A </a:t>
+            </a:r>
+            <a:r>
               <a:rPr lang="en" sz="3000"/>
-              <a:t>MAXGBoost: A Fast Novel Heuristic Approach to Adaptive Learning Rates in Gradient Boosted Decision Trees</a:t>
+              <a:t>Fast Heuristic </a:t>
             </a:r>
-            <a:endParaRPr sz="3000"/>
+            <a:r>
+              <a:rPr lang="en" sz="3000" dirty="0"/>
+              <a:t>Approach to Adaptive Learning Rates in Gradient Boosted Decision Trees</a:t>
+            </a:r>
+            <a:endParaRPr sz="3000" dirty="0"/>
           </a:p>
         </p:txBody>
       </p:sp>
